--- a/Presentation material/treatment_guidelines_general.pptx
+++ b/Presentation material/treatment_guidelines_general.pptx
@@ -6238,7 +6238,15 @@
             </a:r>
             <a:r>
               <a:rPr lang="en-US" sz="2000" dirty="0"/>
-              <a:t>and write (without quotes) </a:t>
+              <a:t>and </a:t>
+            </a:r>
+            <a:r>
+              <a:rPr lang="en-US" sz="2000" dirty="0" smtClean="0"/>
+              <a:t>add (without </a:t>
+            </a:r>
+            <a:r>
+              <a:rPr lang="en-US" sz="2000" dirty="0"/>
+              <a:t>quotes) </a:t>
             </a:r>
             <a:r>
               <a:rPr lang="en-US" sz="2000" dirty="0" smtClean="0"/>
@@ -6425,7 +6433,15 @@
             </a:r>
             <a:r>
               <a:rPr lang="en-US" sz="2000" dirty="0"/>
-              <a:t>and write (without quotes) “NC APs and issues”. Press Next.</a:t>
+              <a:t>and </a:t>
+            </a:r>
+            <a:r>
+              <a:rPr lang="en-US" sz="2000" dirty="0" smtClean="0"/>
+              <a:t>add (without </a:t>
+            </a:r>
+            <a:r>
+              <a:rPr lang="en-US" sz="2000" dirty="0"/>
+              <a:t>quotes) “NC APs and issues”. Press Next.</a:t>
             </a:r>
           </a:p>
           <a:p>
@@ -6503,19 +6519,7 @@
           <a:p>
             <a:r>
               <a:rPr lang="en-US" dirty="0" smtClean="0"/>
-              <a:t>FILTER </a:t>
-            </a:r>
-            <a:r>
-              <a:rPr lang="en-US" dirty="0" smtClean="0"/>
-              <a:t>III</a:t>
-            </a:r>
-            <a:r>
-              <a:rPr lang="en-US" dirty="0" smtClean="0"/>
-              <a:t>: </a:t>
-            </a:r>
-            <a:r>
-              <a:rPr lang="en-US" dirty="0" smtClean="0"/>
-              <a:t>NC Aps/Issues</a:t>
+              <a:t>FILTER III: NC Aps/Issues</a:t>
             </a:r>
             <a:endParaRPr lang="en-US" dirty="0"/>
           </a:p>
@@ -6573,18 +6577,107 @@
           <a:bodyPr/>
           <a:lstStyle/>
           <a:p>
-            <a:r>
-              <a:rPr lang="en-US" dirty="0" smtClean="0"/>
-              <a:t>TODO (BU Radio Internal Communications Global Internal Communications, All workforce-Sweden-Goteborg-</a:t>
-            </a:r>
-            <a:r>
-              <a:rPr lang="en-US" dirty="0" err="1" smtClean="0"/>
-              <a:t>DynDL</a:t>
-            </a:r>
-            <a:r>
-              <a:rPr lang="en-US" dirty="0"/>
-              <a:t> (DDLAWSWGO@ex1.eemea.ericsson.se)).</a:t>
-            </a:r>
+            <a:pPr marL="457200" indent="-457200">
+              <a:buFont typeface="+mj-lt"/>
+              <a:buAutoNum type="arabicPeriod"/>
+            </a:pPr>
+            <a:r>
+              <a:rPr lang="en-US" sz="2000" dirty="0"/>
+              <a:t>Start creating a new blank rule for received messages (Rules &gt; Manage Rules &amp; Alerts &gt; New Rule).</a:t>
+            </a:r>
+          </a:p>
+          <a:p>
+            <a:pPr marL="457200" indent="-457200">
+              <a:buFont typeface="+mj-lt"/>
+              <a:buAutoNum type="arabicPeriod"/>
+            </a:pPr>
+            <a:r>
+              <a:rPr lang="en-US" sz="2000" dirty="0"/>
+              <a:t>In the first step of the wizard, mark </a:t>
+            </a:r>
+            <a:r>
+              <a:rPr lang="en-US" sz="2000" dirty="0" smtClean="0"/>
+              <a:t>“sent to people or public group”. </a:t>
+            </a:r>
+            <a:r>
+              <a:rPr lang="en-US" sz="2000" dirty="0"/>
+              <a:t>Click the highlighted text </a:t>
+            </a:r>
+            <a:r>
+              <a:rPr lang="en-US" sz="2000" b="1" u="sng" dirty="0" smtClean="0">
+                <a:solidFill>
+                  <a:schemeClr val="tx2">
+                    <a:lumMod val="75000"/>
+                    <a:lumOff val="25000"/>
+                  </a:schemeClr>
+                </a:solidFill>
+              </a:rPr>
+              <a:t>“people or public group”</a:t>
+            </a:r>
+            <a:r>
+              <a:rPr lang="en-US" sz="2000" b="1" u="sng" dirty="0" smtClean="0"/>
+              <a:t> </a:t>
+            </a:r>
+            <a:r>
+              <a:rPr lang="en-US" sz="2000" dirty="0"/>
+              <a:t>and add (without quotes) “bu.radio.internal.communications@ericsson.com; global.internal.communications@ericsson.com; DDLAWSWGO@ex1.eemea.ericsson.se”. Press Next.</a:t>
+            </a:r>
+          </a:p>
+          <a:p>
+            <a:pPr marL="457200" indent="-457200">
+              <a:buFont typeface="+mj-lt"/>
+              <a:buAutoNum type="arabicPeriod"/>
+            </a:pPr>
+            <a:r>
+              <a:rPr lang="en-US" sz="2000" dirty="0"/>
+              <a:t>Select “move it to the specified folder. Click the highlighted text </a:t>
+            </a:r>
+            <a:r>
+              <a:rPr lang="en-US" sz="2000" b="1" u="sng" dirty="0">
+                <a:solidFill>
+                  <a:schemeClr val="tx2">
+                    <a:lumMod val="75000"/>
+                    <a:lumOff val="25000"/>
+                  </a:schemeClr>
+                </a:solidFill>
+              </a:rPr>
+              <a:t>“specified”</a:t>
+            </a:r>
+            <a:r>
+              <a:rPr lang="en-US" sz="2000" dirty="0"/>
+              <a:t>, then select “EXP_DIST” and press Next. Then press Next again.</a:t>
+            </a:r>
+          </a:p>
+          <a:p>
+            <a:pPr marL="457200" indent="-457200">
+              <a:buFont typeface="+mj-lt"/>
+              <a:buAutoNum type="arabicPeriod"/>
+            </a:pPr>
+            <a:r>
+              <a:rPr lang="en-US" sz="2000" dirty="0"/>
+              <a:t>Set “</a:t>
+            </a:r>
+            <a:r>
+              <a:rPr lang="en-US" sz="2000" dirty="0" smtClean="0"/>
+              <a:t>EXP_RUL_04” </a:t>
+            </a:r>
+            <a:r>
+              <a:rPr lang="en-US" sz="2000" dirty="0"/>
+              <a:t>as rule name, and make sure that the only box marked is “Turn on this rule”. Press Finish.</a:t>
+            </a:r>
+          </a:p>
+          <a:p>
+            <a:pPr marL="457200" indent="-457200">
+              <a:buFont typeface="+mj-lt"/>
+              <a:buAutoNum type="arabicPeriod"/>
+            </a:pPr>
+            <a:r>
+              <a:rPr lang="en-US" sz="2000" dirty="0"/>
+              <a:t>Press Apply.</a:t>
+            </a:r>
+          </a:p>
+          <a:p>
+            <a:endParaRPr lang="en-US" sz="2000" dirty="0"/>
           </a:p>
         </p:txBody>
       </p:sp>
@@ -6605,19 +6698,15 @@
           <a:p>
             <a:r>
               <a:rPr lang="en-US" dirty="0" smtClean="0"/>
-              <a:t>FILTER </a:t>
-            </a:r>
-            <a:r>
-              <a:rPr lang="en-US" dirty="0" smtClean="0"/>
-              <a:t>IV</a:t>
-            </a:r>
-            <a:r>
-              <a:rPr lang="en-US" dirty="0" smtClean="0"/>
-              <a:t>: Int. </a:t>
+              <a:t>FILTER IV: Int. </a:t>
             </a:r>
             <a:r>
               <a:rPr lang="en-US" dirty="0" err="1" smtClean="0"/>
               <a:t>comm</a:t>
+            </a:r>
+            <a:r>
+              <a:rPr lang="en-US" dirty="0" smtClean="0"/>
+              <a:t> (I)</a:t>
             </a:r>
             <a:endParaRPr lang="en-US" dirty="0"/>
           </a:p>
@@ -6710,7 +6799,15 @@
             </a:r>
             <a:r>
               <a:rPr lang="en-US" sz="2000" dirty="0"/>
-              <a:t>and write (without quotes) </a:t>
+              <a:t>and </a:t>
+            </a:r>
+            <a:r>
+              <a:rPr lang="en-US" sz="2000" dirty="0" smtClean="0"/>
+              <a:t>add (without </a:t>
+            </a:r>
+            <a:r>
+              <a:rPr lang="en-US" sz="2000" dirty="0"/>
+              <a:t>quotes) </a:t>
             </a:r>
             <a:r>
               <a:rPr lang="en-US" sz="2000" dirty="0" smtClean="0"/>
@@ -6796,15 +6893,7 @@
           <a:p>
             <a:r>
               <a:rPr lang="en-US" dirty="0" smtClean="0"/>
-              <a:t>FILTER </a:t>
-            </a:r>
-            <a:r>
-              <a:rPr lang="en-US" dirty="0" smtClean="0"/>
-              <a:t>V: MOM CAT </a:t>
-            </a:r>
-            <a:r>
-              <a:rPr lang="en-US" dirty="0" smtClean="0"/>
-              <a:t>Gen2</a:t>
+              <a:t>FILTER V: MOM CAT Gen2</a:t>
             </a:r>
             <a:endParaRPr lang="en-US" dirty="0"/>
           </a:p>
@@ -7510,11 +7599,7 @@
             </a:r>
             <a:r>
               <a:rPr lang="en-US" dirty="0" smtClean="0"/>
-              <a:t>these</a:t>
-            </a:r>
-            <a:r>
-              <a:rPr lang="en-US" dirty="0" smtClean="0"/>
-              <a:t> </a:t>
+              <a:t>these </a:t>
             </a:r>
             <a:r>
               <a:rPr lang="en-US" dirty="0"/>
@@ -7656,7 +7741,15 @@
             </a:r>
             <a:r>
               <a:rPr lang="en-US" sz="2000" dirty="0" smtClean="0"/>
-              <a:t>and write (without quotes) “PD CAT Nightly Test Results”. Press Next.</a:t>
+              <a:t>and </a:t>
+            </a:r>
+            <a:r>
+              <a:rPr lang="en-US" sz="2000" dirty="0" smtClean="0"/>
+              <a:t>add (without </a:t>
+            </a:r>
+            <a:r>
+              <a:rPr lang="en-US" sz="2000" dirty="0" smtClean="0"/>
+              <a:t>quotes) “PD CAT Nightly Test Results”. Press Next.</a:t>
             </a:r>
           </a:p>
           <a:p>

--- a/Presentation material/treatment_guidelines_general.pptx
+++ b/Presentation material/treatment_guidelines_general.pptx
@@ -7586,32 +7586,27 @@
           <a:bodyPr/>
           <a:lstStyle/>
           <a:p>
+            <a:r>
+              <a:rPr lang="en-US" dirty="0" smtClean="0"/>
+              <a:t>In </a:t>
+            </a:r>
+            <a:r>
+              <a:rPr lang="en-US" dirty="0" smtClean="0"/>
+              <a:t>the upcoming slides you can find a set of e-mail filters you must setup for the upcoming Sprint</a:t>
+            </a:r>
+            <a:r>
+              <a:rPr lang="en-US" dirty="0" smtClean="0"/>
+              <a:t>.</a:t>
+            </a:r>
             <a:endParaRPr lang="en-US" dirty="0" smtClean="0"/>
           </a:p>
           <a:p>
-            <a:r>
-              <a:rPr lang="en-US" dirty="0" smtClean="0"/>
-              <a:t>In the upcoming slides you can find a set of e-mail filters you must setup for the upcoming Sprint. Please </a:t>
-            </a:r>
-            <a:r>
-              <a:rPr lang="en-US" dirty="0"/>
-              <a:t>make sure to follow </a:t>
-            </a:r>
-            <a:r>
-              <a:rPr lang="en-US" dirty="0" smtClean="0"/>
-              <a:t>these </a:t>
-            </a:r>
-            <a:r>
-              <a:rPr lang="en-US" dirty="0"/>
-              <a:t>steps </a:t>
-            </a:r>
-            <a:r>
-              <a:rPr lang="en-US" dirty="0" smtClean="0"/>
-              <a:t>in order and correctly as </a:t>
-            </a:r>
-            <a:r>
-              <a:rPr lang="en-US" dirty="0"/>
-              <a:t>the results of any surveys you perform without the filters being properly configured will be invalid</a:t>
+            <a:endParaRPr lang="en-US" dirty="0"/>
+          </a:p>
+          <a:p>
+            <a:r>
+              <a:rPr lang="en-US" dirty="0" smtClean="0"/>
+              <a:t>These filters do not mean that you cannot to read the matching e-mails, but intend to organize them to be accessible on your demand rather than on the sender’s</a:t>
             </a:r>
             <a:r>
               <a:rPr lang="en-US" dirty="0" smtClean="0"/>
@@ -7624,8 +7619,9 @@
           <a:p>
             <a:r>
               <a:rPr lang="en-US" dirty="0" smtClean="0"/>
-              <a:t>These filters do not mean that you cannot to read the matching e-mails, but intend to organize them to be accessible on your demand rather than on the sender’s.</a:t>
-            </a:r>
+              <a:t>The filtered e-mails do not count as received information, as it is intended to simulate a situation in which you would instead access it in case you are interested.</a:t>
+            </a:r>
+            <a:endParaRPr lang="en-US" dirty="0" smtClean="0"/>
           </a:p>
         </p:txBody>
       </p:sp>
@@ -7741,15 +7737,7 @@
             </a:r>
             <a:r>
               <a:rPr lang="en-US" sz="2000" dirty="0" smtClean="0"/>
-              <a:t>and </a:t>
-            </a:r>
-            <a:r>
-              <a:rPr lang="en-US" sz="2000" dirty="0" smtClean="0"/>
-              <a:t>add (without </a:t>
-            </a:r>
-            <a:r>
-              <a:rPr lang="en-US" sz="2000" dirty="0" smtClean="0"/>
-              <a:t>quotes) “PD CAT Nightly Test Results”. Press Next.</a:t>
+              <a:t>and add (without quotes) “PD CAT Nightly Test Results”. Press Next.</a:t>
             </a:r>
           </a:p>
           <a:p>

--- a/Presentation material/treatment_guidelines_general.pptx
+++ b/Presentation material/treatment_guidelines_general.pptx
@@ -5,10 +5,10 @@
     <p:sldMasterId id="2147483676" r:id="rId1"/>
   </p:sldMasterIdLst>
   <p:notesMasterIdLst>
-    <p:notesMasterId r:id="rId16"/>
+    <p:notesMasterId r:id="rId15"/>
   </p:notesMasterIdLst>
   <p:handoutMasterIdLst>
-    <p:handoutMasterId r:id="rId17"/>
+    <p:handoutMasterId r:id="rId16"/>
   </p:handoutMasterIdLst>
   <p:sldIdLst>
     <p:sldId id="259" r:id="rId2"/>
@@ -17,21 +17,20 @@
     <p:sldId id="263" r:id="rId5"/>
     <p:sldId id="264" r:id="rId6"/>
     <p:sldId id="265" r:id="rId7"/>
-    <p:sldId id="266" r:id="rId8"/>
-    <p:sldId id="267" r:id="rId9"/>
-    <p:sldId id="268" r:id="rId10"/>
-    <p:sldId id="269" r:id="rId11"/>
-    <p:sldId id="272" r:id="rId12"/>
-    <p:sldId id="270" r:id="rId13"/>
-    <p:sldId id="273" r:id="rId14"/>
-    <p:sldId id="261" r:id="rId15"/>
+    <p:sldId id="267" r:id="rId8"/>
+    <p:sldId id="268" r:id="rId9"/>
+    <p:sldId id="269" r:id="rId10"/>
+    <p:sldId id="272" r:id="rId11"/>
+    <p:sldId id="270" r:id="rId12"/>
+    <p:sldId id="273" r:id="rId13"/>
+    <p:sldId id="261" r:id="rId14"/>
   </p:sldIdLst>
   <p:sldSz cx="9144000" cy="6858000" type="screen4x3"/>
   <p:notesSz cx="6884988" cy="10018713"/>
   <p:embeddedFontLst>
     <p:embeddedFont>
       <p:font typeface="Ericsson Capital TT" panose="02000503000000020004" pitchFamily="2" charset="0"/>
-      <p:regular r:id="rId18"/>
+      <p:regular r:id="rId17"/>
     </p:embeddedFont>
   </p:embeddedFontLst>
   <p:defaultTextStyle>
@@ -170,7 +169,6 @@
             <p14:sldId id="263"/>
             <p14:sldId id="264"/>
             <p14:sldId id="265"/>
-            <p14:sldId id="266"/>
             <p14:sldId id="267"/>
             <p14:sldId id="268"/>
             <p14:sldId id="269"/>
@@ -1682,7 +1680,7 @@
           <a:p>
             <a:fld id="{9A0CD9F6-A434-436B-86D3-58604CF441B2}" type="slidenum">
               <a:rPr lang="en-US" smtClean="0"/>
-              <a:t>14</a:t>
+              <a:t>13</a:t>
             </a:fld>
             <a:endParaRPr lang="en-US" dirty="0"/>
           </a:p>
@@ -6233,7 +6231,7 @@
               <a:t>“specific words”</a:t>
             </a:r>
             <a:r>
-              <a:rPr lang="en-US" sz="2000" b="1" u="sng" dirty="0"/>
+              <a:rPr lang="en-US" sz="2000" b="1" dirty="0"/>
               <a:t> </a:t>
             </a:r>
             <a:r>
@@ -6246,15 +6244,7 @@
             </a:r>
             <a:r>
               <a:rPr lang="en-US" sz="2000" dirty="0"/>
-              <a:t>quotes) </a:t>
-            </a:r>
-            <a:r>
-              <a:rPr lang="en-US" sz="2000" dirty="0" smtClean="0"/>
-              <a:t>“TCG input”. </a:t>
-            </a:r>
-            <a:r>
-              <a:rPr lang="en-US" sz="2000" dirty="0"/>
-              <a:t>Press Next.</a:t>
+              <a:t>quotes) “NC APs and issues”. Press Next.</a:t>
             </a:r>
           </a:p>
           <a:p>
@@ -6279,15 +6269,7 @@
             </a:r>
             <a:r>
               <a:rPr lang="en-US" sz="2000" dirty="0"/>
-              <a:t>, then </a:t>
-            </a:r>
-            <a:r>
-              <a:rPr lang="en-US" sz="2000" dirty="0" smtClean="0"/>
-              <a:t>select “EXP_DIST” and </a:t>
-            </a:r>
-            <a:r>
-              <a:rPr lang="en-US" sz="2000" dirty="0"/>
-              <a:t>press Next. Then press Next again.</a:t>
+              <a:t>, then select “EXP_DIST” and press Next. Then press Next again.</a:t>
             </a:r>
           </a:p>
           <a:p>
@@ -6301,7 +6283,7 @@
             </a:r>
             <a:r>
               <a:rPr lang="en-US" sz="2000" dirty="0" smtClean="0"/>
-              <a:t>EXP_RUL_02” </a:t>
+              <a:t>EXP_RUL_03” </a:t>
             </a:r>
             <a:r>
               <a:rPr lang="en-US" sz="2000" dirty="0"/>
@@ -6340,7 +6322,7 @@
           <a:p>
             <a:r>
               <a:rPr lang="en-US" dirty="0" smtClean="0"/>
-              <a:t>FILTER II: TRs</a:t>
+              <a:t>FILTER III: NC Aps/Issues</a:t>
             </a:r>
             <a:endParaRPr lang="en-US" dirty="0"/>
           </a:p>
@@ -6349,7 +6331,7 @@
     </p:spTree>
     <p:extLst>
       <p:ext uri="{BB962C8B-B14F-4D97-AF65-F5344CB8AC3E}">
-        <p14:creationId xmlns:p14="http://schemas.microsoft.com/office/powerpoint/2010/main" val="2122975754"/>
+        <p14:creationId xmlns:p14="http://schemas.microsoft.com/office/powerpoint/2010/main" val="1302119204"/>
       </p:ext>
     </p:extLst>
   </p:cSld>
@@ -6414,10 +6396,18 @@
             </a:pPr>
             <a:r>
               <a:rPr lang="en-US" sz="2000" dirty="0"/>
-              <a:t>In the first step of the wizard, mark “with specific words in the subject”. Click the highlighted text </a:t>
-            </a:r>
-            <a:r>
-              <a:rPr lang="en-US" sz="2000" b="1" u="sng" dirty="0">
+              <a:t>In the first step of the wizard, mark </a:t>
+            </a:r>
+            <a:r>
+              <a:rPr lang="en-US" sz="2000" dirty="0" smtClean="0"/>
+              <a:t>“sent to people or public group”. </a:t>
+            </a:r>
+            <a:r>
+              <a:rPr lang="en-US" sz="2000" dirty="0"/>
+              <a:t>Click the highlighted text </a:t>
+            </a:r>
+            <a:r>
+              <a:rPr lang="en-US" sz="2000" b="1" u="sng" dirty="0" smtClean="0">
                 <a:solidFill>
                   <a:schemeClr val="tx2">
                     <a:lumMod val="75000"/>
@@ -6425,23 +6415,15 @@
                   </a:schemeClr>
                 </a:solidFill>
               </a:rPr>
-              <a:t>“specific words”</a:t>
-            </a:r>
-            <a:r>
-              <a:rPr lang="en-US" sz="2000" b="1" u="sng" dirty="0"/>
+              <a:t>“people or public group”</a:t>
+            </a:r>
+            <a:r>
+              <a:rPr lang="en-US" sz="2000" b="1" dirty="0" smtClean="0"/>
               <a:t> </a:t>
             </a:r>
             <a:r>
               <a:rPr lang="en-US" sz="2000" dirty="0"/>
-              <a:t>and </a:t>
-            </a:r>
-            <a:r>
-              <a:rPr lang="en-US" sz="2000" dirty="0" smtClean="0"/>
-              <a:t>add (without </a:t>
-            </a:r>
-            <a:r>
-              <a:rPr lang="en-US" sz="2000" dirty="0"/>
-              <a:t>quotes) “NC APs and issues”. Press Next.</a:t>
+              <a:t>and add (without quotes) “bu.radio.internal.communications@ericsson.com; global.internal.communications@ericsson.com; DDLAWSWGO@ex1.eemea.ericsson.se”. Press Next.</a:t>
             </a:r>
           </a:p>
           <a:p>
@@ -6480,7 +6462,7 @@
             </a:r>
             <a:r>
               <a:rPr lang="en-US" sz="2000" dirty="0" smtClean="0"/>
-              <a:t>EXP_RUL_03” </a:t>
+              <a:t>EXP_RUL_04” </a:t>
             </a:r>
             <a:r>
               <a:rPr lang="en-US" sz="2000" dirty="0"/>
@@ -6519,7 +6501,15 @@
           <a:p>
             <a:r>
               <a:rPr lang="en-US" dirty="0" smtClean="0"/>
-              <a:t>FILTER III: NC Aps/Issues</a:t>
+              <a:t>FILTER IV: Int. </a:t>
+            </a:r>
+            <a:r>
+              <a:rPr lang="en-US" dirty="0" err="1" smtClean="0"/>
+              <a:t>comm</a:t>
+            </a:r>
+            <a:r>
+              <a:rPr lang="en-US" dirty="0" smtClean="0"/>
+              <a:t> (I)</a:t>
             </a:r>
             <a:endParaRPr lang="en-US" dirty="0"/>
           </a:p>
@@ -6528,7 +6518,7 @@
     </p:spTree>
     <p:extLst>
       <p:ext uri="{BB962C8B-B14F-4D97-AF65-F5344CB8AC3E}">
-        <p14:creationId xmlns:p14="http://schemas.microsoft.com/office/powerpoint/2010/main" val="1302119204"/>
+        <p14:creationId xmlns:p14="http://schemas.microsoft.com/office/powerpoint/2010/main" val="904631620"/>
       </p:ext>
     </p:extLst>
   </p:cSld>
@@ -6593,193 +6583,6 @@
             </a:pPr>
             <a:r>
               <a:rPr lang="en-US" sz="2000" dirty="0"/>
-              <a:t>In the first step of the wizard, mark </a:t>
-            </a:r>
-            <a:r>
-              <a:rPr lang="en-US" sz="2000" dirty="0" smtClean="0"/>
-              <a:t>“sent to people or public group”. </a:t>
-            </a:r>
-            <a:r>
-              <a:rPr lang="en-US" sz="2000" dirty="0"/>
-              <a:t>Click the highlighted text </a:t>
-            </a:r>
-            <a:r>
-              <a:rPr lang="en-US" sz="2000" b="1" u="sng" dirty="0" smtClean="0">
-                <a:solidFill>
-                  <a:schemeClr val="tx2">
-                    <a:lumMod val="75000"/>
-                    <a:lumOff val="25000"/>
-                  </a:schemeClr>
-                </a:solidFill>
-              </a:rPr>
-              <a:t>“people or public group”</a:t>
-            </a:r>
-            <a:r>
-              <a:rPr lang="en-US" sz="2000" b="1" u="sng" dirty="0" smtClean="0"/>
-              <a:t> </a:t>
-            </a:r>
-            <a:r>
-              <a:rPr lang="en-US" sz="2000" dirty="0"/>
-              <a:t>and add (without quotes) “bu.radio.internal.communications@ericsson.com; global.internal.communications@ericsson.com; DDLAWSWGO@ex1.eemea.ericsson.se”. Press Next.</a:t>
-            </a:r>
-          </a:p>
-          <a:p>
-            <a:pPr marL="457200" indent="-457200">
-              <a:buFont typeface="+mj-lt"/>
-              <a:buAutoNum type="arabicPeriod"/>
-            </a:pPr>
-            <a:r>
-              <a:rPr lang="en-US" sz="2000" dirty="0"/>
-              <a:t>Select “move it to the specified folder. Click the highlighted text </a:t>
-            </a:r>
-            <a:r>
-              <a:rPr lang="en-US" sz="2000" b="1" u="sng" dirty="0">
-                <a:solidFill>
-                  <a:schemeClr val="tx2">
-                    <a:lumMod val="75000"/>
-                    <a:lumOff val="25000"/>
-                  </a:schemeClr>
-                </a:solidFill>
-              </a:rPr>
-              <a:t>“specified”</a:t>
-            </a:r>
-            <a:r>
-              <a:rPr lang="en-US" sz="2000" dirty="0"/>
-              <a:t>, then select “EXP_DIST” and press Next. Then press Next again.</a:t>
-            </a:r>
-          </a:p>
-          <a:p>
-            <a:pPr marL="457200" indent="-457200">
-              <a:buFont typeface="+mj-lt"/>
-              <a:buAutoNum type="arabicPeriod"/>
-            </a:pPr>
-            <a:r>
-              <a:rPr lang="en-US" sz="2000" dirty="0"/>
-              <a:t>Set “</a:t>
-            </a:r>
-            <a:r>
-              <a:rPr lang="en-US" sz="2000" dirty="0" smtClean="0"/>
-              <a:t>EXP_RUL_04” </a:t>
-            </a:r>
-            <a:r>
-              <a:rPr lang="en-US" sz="2000" dirty="0"/>
-              <a:t>as rule name, and make sure that the only box marked is “Turn on this rule”. Press Finish.</a:t>
-            </a:r>
-          </a:p>
-          <a:p>
-            <a:pPr marL="457200" indent="-457200">
-              <a:buFont typeface="+mj-lt"/>
-              <a:buAutoNum type="arabicPeriod"/>
-            </a:pPr>
-            <a:r>
-              <a:rPr lang="en-US" sz="2000" dirty="0"/>
-              <a:t>Press Apply.</a:t>
-            </a:r>
-          </a:p>
-          <a:p>
-            <a:endParaRPr lang="en-US" sz="2000" dirty="0"/>
-          </a:p>
-        </p:txBody>
-      </p:sp>
-      <p:sp>
-        <p:nvSpPr>
-          <p:cNvPr id="3" name="Title 2"/>
-          <p:cNvSpPr>
-            <a:spLocks noGrp="1"/>
-          </p:cNvSpPr>
-          <p:nvPr>
-            <p:ph type="title"/>
-          </p:nvPr>
-        </p:nvSpPr>
-        <p:spPr/>
-        <p:txBody>
-          <a:bodyPr/>
-          <a:lstStyle/>
-          <a:p>
-            <a:r>
-              <a:rPr lang="en-US" dirty="0" smtClean="0"/>
-              <a:t>FILTER IV: Int. </a:t>
-            </a:r>
-            <a:r>
-              <a:rPr lang="en-US" dirty="0" err="1" smtClean="0"/>
-              <a:t>comm</a:t>
-            </a:r>
-            <a:r>
-              <a:rPr lang="en-US" dirty="0" smtClean="0"/>
-              <a:t> (I)</a:t>
-            </a:r>
-            <a:endParaRPr lang="en-US" dirty="0"/>
-          </a:p>
-        </p:txBody>
-      </p:sp>
-    </p:spTree>
-    <p:extLst>
-      <p:ext uri="{BB962C8B-B14F-4D97-AF65-F5344CB8AC3E}">
-        <p14:creationId xmlns:p14="http://schemas.microsoft.com/office/powerpoint/2010/main" val="904631620"/>
-      </p:ext>
-    </p:extLst>
-  </p:cSld>
-  <p:clrMapOvr>
-    <a:masterClrMapping/>
-  </p:clrMapOvr>
-  <p:timing>
-    <p:tnLst>
-      <p:par>
-        <p:cTn id="1" dur="indefinite" restart="never" nodeType="tmRoot"/>
-      </p:par>
-    </p:tnLst>
-  </p:timing>
-</p:sld>
-</file>
-
-<file path=ppt/slides/slide13.xml><?xml version="1.0" encoding="utf-8"?>
-<p:sld xmlns:a="http://schemas.openxmlformats.org/drawingml/2006/main" xmlns:r="http://schemas.openxmlformats.org/officeDocument/2006/relationships" xmlns:p="http://schemas.openxmlformats.org/presentationml/2006/main">
-  <p:cSld>
-    <p:spTree>
-      <p:nvGrpSpPr>
-        <p:cNvPr id="1" name=""/>
-        <p:cNvGrpSpPr/>
-        <p:nvPr/>
-      </p:nvGrpSpPr>
-      <p:grpSpPr>
-        <a:xfrm>
-          <a:off x="0" y="0"/>
-          <a:ext cx="0" cy="0"/>
-          <a:chOff x="0" y="0"/>
-          <a:chExt cx="0" cy="0"/>
-        </a:xfrm>
-      </p:grpSpPr>
-      <p:sp>
-        <p:nvSpPr>
-          <p:cNvPr id="2" name="Content Placeholder 1"/>
-          <p:cNvSpPr>
-            <a:spLocks noGrp="1"/>
-          </p:cNvSpPr>
-          <p:nvPr>
-            <p:ph idx="1"/>
-          </p:nvPr>
-        </p:nvSpPr>
-        <p:spPr/>
-        <p:txBody>
-          <a:bodyPr/>
-          <a:lstStyle/>
-          <a:p>
-            <a:pPr marL="457200" indent="-457200">
-              <a:buFont typeface="+mj-lt"/>
-              <a:buAutoNum type="arabicPeriod"/>
-            </a:pPr>
-            <a:r>
-              <a:rPr lang="en-US" sz="2000" dirty="0"/>
-              <a:t>Start creating a new blank rule for received messages (Rules &gt; Manage Rules &amp; Alerts &gt; New Rule).</a:t>
-            </a:r>
-          </a:p>
-          <a:p>
-            <a:pPr marL="457200" indent="-457200">
-              <a:buFont typeface="+mj-lt"/>
-              <a:buAutoNum type="arabicPeriod"/>
-            </a:pPr>
-            <a:r>
-              <a:rPr lang="en-US" sz="2000" dirty="0"/>
               <a:t>In the first step of the wizard, mark “with specific words in the subject”. Click the highlighted text </a:t>
             </a:r>
             <a:r>
@@ -6794,7 +6597,7 @@
               <a:t>“specific words”</a:t>
             </a:r>
             <a:r>
-              <a:rPr lang="en-US" sz="2000" b="1" u="sng" dirty="0"/>
+              <a:rPr lang="en-US" sz="2000" b="1" dirty="0"/>
               <a:t> </a:t>
             </a:r>
             <a:r>
@@ -6919,7 +6722,7 @@
 </p:sld>
 </file>
 
-<file path=ppt/slides/slide14.xml><?xml version="1.0" encoding="utf-8"?>
+<file path=ppt/slides/slide13.xml><?xml version="1.0" encoding="utf-8"?>
 <p:sld xmlns:a="http://schemas.openxmlformats.org/drawingml/2006/main" xmlns:r="http://schemas.openxmlformats.org/officeDocument/2006/relationships" xmlns:p="http://schemas.openxmlformats.org/presentationml/2006/main" showMasterSp="0">
   <p:cSld>
     <p:spTree>
@@ -7461,6 +7264,13 @@
   <p:clrMapOvr>
     <a:masterClrMapping/>
   </p:clrMapOvr>
+  <p:timing>
+    <p:tnLst>
+      <p:par>
+        <p:cTn id="1" dur="indefinite" restart="never" nodeType="tmRoot"/>
+      </p:par>
+    </p:tnLst>
+  </p:timing>
 </p:sld>
 </file>
 
@@ -7496,12 +7306,9 @@
           <a:bodyPr/>
           <a:lstStyle/>
           <a:p>
-            <a:endParaRPr lang="en-US" dirty="0" smtClean="0"/>
-          </a:p>
-          <a:p>
-            <a:r>
-              <a:rPr lang="en-US" dirty="0" smtClean="0"/>
-              <a:t>Ideally we would notify the different sources of this type of information so that they remove you from their addressees.</a:t>
+            <a:r>
+              <a:rPr lang="en-US" dirty="0" smtClean="0"/>
+              <a:t>In the upcoming slides you can find a set of e-mail filters you must setup for the upcoming Sprint.</a:t>
             </a:r>
           </a:p>
           <a:p>
@@ -7510,9 +7317,25 @@
           <a:p>
             <a:r>
               <a:rPr lang="en-US" dirty="0" smtClean="0"/>
-              <a:t>But we know that would not work. Instead, we will emulate this using filters and, based on the results we get, we will have an empirical argument for requesting this to happen in reality.</a:t>
-            </a:r>
+              <a:t>These filters do not mean that you </a:t>
+            </a:r>
+            <a:r>
+              <a:rPr lang="en-US" dirty="0" smtClean="0"/>
+              <a:t>cannot </a:t>
+            </a:r>
+            <a:r>
+              <a:rPr lang="en-US" dirty="0" smtClean="0"/>
+              <a:t>read the matching e-mails, but intend to organize them to be accessible on your demand rather than on the sender’s.</a:t>
+            </a:r>
+          </a:p>
+          <a:p>
             <a:endParaRPr lang="en-US" dirty="0"/>
+          </a:p>
+          <a:p>
+            <a:r>
+              <a:rPr lang="en-US" dirty="0" smtClean="0"/>
+              <a:t>The filtered e-mails do not count as received information, as it is intended to simulate a situation in which you would instead access it in case you are interested.</a:t>
+            </a:r>
           </a:p>
         </p:txBody>
       </p:sp>
@@ -7535,7 +7358,15 @@
           <a:p>
             <a:r>
               <a:rPr lang="en-US" dirty="0" smtClean="0"/>
-              <a:t>info overload (II)</a:t>
+              <a:t>info overload </a:t>
+            </a:r>
+            <a:r>
+              <a:rPr lang="en-US" dirty="0" smtClean="0"/>
+              <a:t>(II</a:t>
+            </a:r>
+            <a:r>
+              <a:rPr lang="en-US" dirty="0" smtClean="0"/>
+              <a:t>)</a:t>
             </a:r>
             <a:endParaRPr lang="en-US" dirty="0"/>
           </a:p>
@@ -7544,13 +7375,20 @@
     </p:spTree>
     <p:extLst>
       <p:ext uri="{BB962C8B-B14F-4D97-AF65-F5344CB8AC3E}">
-        <p14:creationId xmlns:p14="http://schemas.microsoft.com/office/powerpoint/2010/main" val="4118457055"/>
+        <p14:creationId xmlns:p14="http://schemas.microsoft.com/office/powerpoint/2010/main" val="1527600333"/>
       </p:ext>
     </p:extLst>
   </p:cSld>
   <p:clrMapOvr>
     <a:masterClrMapping/>
   </p:clrMapOvr>
+  <p:timing>
+    <p:tnLst>
+      <p:par>
+        <p:cTn id="1" dur="indefinite" restart="never" nodeType="tmRoot"/>
+      </p:par>
+    </p:tnLst>
+  </p:timing>
 </p:sld>
 </file>
 
@@ -7586,42 +7424,127 @@
           <a:bodyPr/>
           <a:lstStyle/>
           <a:p>
-            <a:r>
-              <a:rPr lang="en-US" dirty="0" smtClean="0"/>
-              <a:t>In </a:t>
-            </a:r>
-            <a:r>
-              <a:rPr lang="en-US" dirty="0" smtClean="0"/>
-              <a:t>the upcoming slides you can find a set of e-mail filters you must setup for the upcoming Sprint</a:t>
-            </a:r>
-            <a:r>
-              <a:rPr lang="en-US" dirty="0" smtClean="0"/>
+            <a:pPr marL="457200" indent="-457200">
+              <a:buFont typeface="+mj-lt"/>
+              <a:buAutoNum type="arabicPeriod"/>
+            </a:pPr>
+            <a:r>
+              <a:rPr lang="en-US" sz="2000" dirty="0" smtClean="0"/>
+              <a:t>Start creating a new blank rule for received messages (Rules &gt; Manage Rules &amp; Alerts &gt; New Rule).</a:t>
+            </a:r>
+          </a:p>
+          <a:p>
+            <a:pPr marL="457200" indent="-457200">
+              <a:buFont typeface="+mj-lt"/>
+              <a:buAutoNum type="arabicPeriod"/>
+            </a:pPr>
+            <a:r>
+              <a:rPr lang="en-US" sz="2000" dirty="0" smtClean="0"/>
+              <a:t>In the first step of the wizard, mark “with specific words in the subject”. Click the highlighted text </a:t>
+            </a:r>
+            <a:r>
+              <a:rPr lang="en-US" sz="2000" b="1" u="sng" dirty="0" smtClean="0">
+                <a:solidFill>
+                  <a:schemeClr val="tx2">
+                    <a:lumMod val="75000"/>
+                    <a:lumOff val="25000"/>
+                  </a:schemeClr>
+                </a:solidFill>
+              </a:rPr>
+              <a:t>“specific words”</a:t>
+            </a:r>
+            <a:r>
+              <a:rPr lang="en-US" sz="2000" b="1" dirty="0" smtClean="0"/>
+              <a:t> </a:t>
+            </a:r>
+            <a:r>
+              <a:rPr lang="en-US" sz="2000" dirty="0" smtClean="0"/>
+              <a:t>and add (without quotes) “PD CAT Nightly Test Results”. Press Next.</a:t>
+            </a:r>
+          </a:p>
+          <a:p>
+            <a:pPr marL="457200" indent="-457200">
+              <a:buFont typeface="+mj-lt"/>
+              <a:buAutoNum type="arabicPeriod"/>
+            </a:pPr>
+            <a:r>
+              <a:rPr lang="en-US" sz="2000" dirty="0" smtClean="0"/>
+              <a:t>Select “move it to the specified folder. </a:t>
+            </a:r>
+            <a:r>
+              <a:rPr lang="en-US" sz="2000" dirty="0"/>
+              <a:t>Click the highlighted text </a:t>
+            </a:r>
+            <a:r>
+              <a:rPr lang="en-US" sz="2000" b="1" u="sng" dirty="0">
+                <a:solidFill>
+                  <a:schemeClr val="tx2">
+                    <a:lumMod val="75000"/>
+                    <a:lumOff val="25000"/>
+                  </a:schemeClr>
+                </a:solidFill>
+              </a:rPr>
+              <a:t>“</a:t>
+            </a:r>
+            <a:r>
+              <a:rPr lang="en-US" sz="2000" b="1" u="sng" dirty="0" smtClean="0">
+                <a:solidFill>
+                  <a:schemeClr val="tx2">
+                    <a:lumMod val="75000"/>
+                    <a:lumOff val="25000"/>
+                  </a:schemeClr>
+                </a:solidFill>
+              </a:rPr>
+              <a:t>specified”</a:t>
+            </a:r>
+            <a:r>
+              <a:rPr lang="en-US" sz="2000" dirty="0" smtClean="0"/>
+              <a:t>, then New… and then create a folder called “EXP_DIST” </a:t>
+            </a:r>
+            <a:r>
+              <a:rPr lang="en-US" sz="2000" b="1" dirty="0" smtClean="0"/>
+              <a:t>at the same level than the Done one (inside Inbox)</a:t>
+            </a:r>
+            <a:r>
+              <a:rPr lang="en-US" sz="2000" dirty="0" smtClean="0"/>
+              <a:t>. Select this one and press Next.</a:t>
+            </a:r>
+            <a:r>
+              <a:rPr lang="en-US" sz="2000" dirty="0"/>
+              <a:t> </a:t>
+            </a:r>
+            <a:r>
+              <a:rPr lang="en-US" sz="2000" dirty="0" smtClean="0"/>
+              <a:t>Then press </a:t>
+            </a:r>
+            <a:r>
+              <a:rPr lang="en-US" sz="2000" dirty="0"/>
+              <a:t>Next again</a:t>
+            </a:r>
+            <a:r>
+              <a:rPr lang="en-US" sz="2000" dirty="0" smtClean="0"/>
               <a:t>.</a:t>
             </a:r>
-            <a:endParaRPr lang="en-US" dirty="0" smtClean="0"/>
-          </a:p>
-          <a:p>
-            <a:endParaRPr lang="en-US" dirty="0"/>
-          </a:p>
-          <a:p>
-            <a:r>
-              <a:rPr lang="en-US" dirty="0" smtClean="0"/>
-              <a:t>These filters do not mean that you cannot to read the matching e-mails, but intend to organize them to be accessible on your demand rather than on the sender’s</a:t>
-            </a:r>
-            <a:r>
-              <a:rPr lang="en-US" dirty="0" smtClean="0"/>
-              <a:t>.</a:t>
-            </a:r>
-          </a:p>
-          <a:p>
-            <a:endParaRPr lang="en-US" dirty="0"/>
-          </a:p>
-          <a:p>
-            <a:r>
-              <a:rPr lang="en-US" dirty="0" smtClean="0"/>
-              <a:t>The filtered e-mails do not count as received information, as it is intended to simulate a situation in which you would instead access it in case you are interested.</a:t>
-            </a:r>
-            <a:endParaRPr lang="en-US" dirty="0" smtClean="0"/>
+          </a:p>
+          <a:p>
+            <a:pPr marL="457200" indent="-457200">
+              <a:buFont typeface="+mj-lt"/>
+              <a:buAutoNum type="arabicPeriod"/>
+            </a:pPr>
+            <a:r>
+              <a:rPr lang="en-US" sz="2000" dirty="0" smtClean="0"/>
+              <a:t>Set “EXP_RUL_01” as rule name, and make sure that the only box marked is “Turn on this rule”. Press Finish.</a:t>
+            </a:r>
+          </a:p>
+          <a:p>
+            <a:pPr marL="457200" indent="-457200">
+              <a:buFont typeface="+mj-lt"/>
+              <a:buAutoNum type="arabicPeriod"/>
+            </a:pPr>
+            <a:r>
+              <a:rPr lang="en-US" sz="2000" dirty="0" smtClean="0"/>
+              <a:t>Press Apply.</a:t>
+            </a:r>
           </a:p>
         </p:txBody>
       </p:sp>
@@ -7637,14 +7560,12 @@
         </p:nvSpPr>
         <p:spPr/>
         <p:txBody>
-          <a:bodyPr>
-            <a:normAutofit/>
-          </a:bodyPr>
-          <a:lstStyle/>
-          <a:p>
-            <a:r>
-              <a:rPr lang="en-US" dirty="0" smtClean="0"/>
-              <a:t>info overload (III)</a:t>
+          <a:bodyPr/>
+          <a:lstStyle/>
+          <a:p>
+            <a:r>
+              <a:rPr lang="en-US" dirty="0" smtClean="0"/>
+              <a:t>FILTER I: Test Results</a:t>
             </a:r>
             <a:endParaRPr lang="en-US" dirty="0"/>
           </a:p>
@@ -7653,7 +7574,7 @@
     </p:spTree>
     <p:extLst>
       <p:ext uri="{BB962C8B-B14F-4D97-AF65-F5344CB8AC3E}">
-        <p14:creationId xmlns:p14="http://schemas.microsoft.com/office/powerpoint/2010/main" val="1527600333"/>
+        <p14:creationId xmlns:p14="http://schemas.microsoft.com/office/powerpoint/2010/main" val="3445159542"/>
       </p:ext>
     </p:extLst>
   </p:cSld>
@@ -7707,7 +7628,7 @@
               <a:buAutoNum type="arabicPeriod"/>
             </a:pPr>
             <a:r>
-              <a:rPr lang="en-US" sz="2000" dirty="0" smtClean="0"/>
+              <a:rPr lang="en-US" sz="2000" dirty="0"/>
               <a:t>Start creating a new blank rule for received messages (Rules &gt; Manage Rules &amp; Alerts &gt; New Rule).</a:t>
             </a:r>
           </a:p>
@@ -7717,11 +7638,11 @@
               <a:buAutoNum type="arabicPeriod"/>
             </a:pPr>
             <a:r>
-              <a:rPr lang="en-US" sz="2000" dirty="0" smtClean="0"/>
+              <a:rPr lang="en-US" sz="2000" dirty="0"/>
               <a:t>In the first step of the wizard, mark “with specific words in the subject”. Click the highlighted text </a:t>
             </a:r>
             <a:r>
-              <a:rPr lang="en-US" sz="2000" b="1" u="sng" dirty="0" smtClean="0">
+              <a:rPr lang="en-US" sz="2000" b="1" u="sng" dirty="0">
                 <a:solidFill>
                   <a:schemeClr val="tx2">
                     <a:lumMod val="75000"/>
@@ -7732,12 +7653,28 @@
               <a:t>“specific words”</a:t>
             </a:r>
             <a:r>
-              <a:rPr lang="en-US" sz="2000" b="1" u="sng" dirty="0" smtClean="0"/>
+              <a:rPr lang="en-US" sz="2000" b="1" dirty="0"/>
               <a:t> </a:t>
             </a:r>
             <a:r>
+              <a:rPr lang="en-US" sz="2000" dirty="0"/>
+              <a:t>and </a:t>
+            </a:r>
+            <a:r>
               <a:rPr lang="en-US" sz="2000" dirty="0" smtClean="0"/>
-              <a:t>and add (without quotes) “PD CAT Nightly Test Results”. Press Next.</a:t>
+              <a:t>add (without </a:t>
+            </a:r>
+            <a:r>
+              <a:rPr lang="en-US" sz="2000" dirty="0"/>
+              <a:t>quotes) </a:t>
+            </a:r>
+            <a:r>
+              <a:rPr lang="en-US" sz="2000" dirty="0" smtClean="0"/>
+              <a:t>“TCG input”. </a:t>
+            </a:r>
+            <a:r>
+              <a:rPr lang="en-US" sz="2000" dirty="0"/>
+              <a:t>Press Next.</a:t>
             </a:r>
           </a:p>
           <a:p>
@@ -7746,12 +7683,8 @@
               <a:buAutoNum type="arabicPeriod"/>
             </a:pPr>
             <a:r>
-              <a:rPr lang="en-US" sz="2000" dirty="0" smtClean="0"/>
-              <a:t>Select “move it to the specified folder. </a:t>
-            </a:r>
-            <a:r>
               <a:rPr lang="en-US" sz="2000" dirty="0"/>
-              <a:t>Click the highlighted text </a:t>
+              <a:t>Select “move it to the specified folder. Click the highlighted text </a:t>
             </a:r>
             <a:r>
               <a:rPr lang="en-US" sz="2000" b="1" u="sng" dirty="0">
@@ -7762,46 +7695,19 @@
                   </a:schemeClr>
                 </a:solidFill>
               </a:rPr>
-              <a:t>“</a:t>
-            </a:r>
-            <a:r>
-              <a:rPr lang="en-US" sz="2000" b="1" u="sng" dirty="0" smtClean="0">
-                <a:solidFill>
-                  <a:schemeClr val="tx2">
-                    <a:lumMod val="75000"/>
-                    <a:lumOff val="25000"/>
-                  </a:schemeClr>
-                </a:solidFill>
-              </a:rPr>
-              <a:t>specified”</a:t>
+              <a:t>“specified”</a:t>
+            </a:r>
+            <a:r>
+              <a:rPr lang="en-US" sz="2000" dirty="0"/>
+              <a:t>, then </a:t>
             </a:r>
             <a:r>
               <a:rPr lang="en-US" sz="2000" dirty="0" smtClean="0"/>
-              <a:t>, then New… and then create a folder called “EXP_DIST” </a:t>
-            </a:r>
-            <a:r>
-              <a:rPr lang="en-US" sz="2000" b="1" dirty="0" smtClean="0"/>
-              <a:t>at the same level than the Done one (inside Inbox)</a:t>
-            </a:r>
-            <a:r>
-              <a:rPr lang="en-US" sz="2000" dirty="0" smtClean="0"/>
-              <a:t>. Select this one and press Next.</a:t>
+              <a:t>select “EXP_DIST” and </a:t>
             </a:r>
             <a:r>
               <a:rPr lang="en-US" sz="2000" dirty="0"/>
-              <a:t> </a:t>
-            </a:r>
-            <a:r>
-              <a:rPr lang="en-US" sz="2000" dirty="0" smtClean="0"/>
-              <a:t>Then press </a:t>
-            </a:r>
-            <a:r>
-              <a:rPr lang="en-US" sz="2000" dirty="0"/>
-              <a:t>Next again</a:t>
-            </a:r>
-            <a:r>
-              <a:rPr lang="en-US" sz="2000" dirty="0" smtClean="0"/>
-              <a:t>.</a:t>
+              <a:t>press Next. Then press Next again.</a:t>
             </a:r>
           </a:p>
           <a:p>
@@ -7810,8 +7716,16 @@
               <a:buAutoNum type="arabicPeriod"/>
             </a:pPr>
             <a:r>
+              <a:rPr lang="en-US" sz="2000" dirty="0"/>
+              <a:t>Set “</a:t>
+            </a:r>
+            <a:r>
               <a:rPr lang="en-US" sz="2000" dirty="0" smtClean="0"/>
-              <a:t>Set “EXP_RUL_01” as rule name, and make sure that the only box marked is “Turn on this rule”. Press Finish.</a:t>
+              <a:t>EXP_RUL_02” </a:t>
+            </a:r>
+            <a:r>
+              <a:rPr lang="en-US" sz="2000" dirty="0"/>
+              <a:t>as rule name, and make sure that the only box marked is “Turn on this rule”. Press Finish.</a:t>
             </a:r>
           </a:p>
           <a:p>
@@ -7820,10 +7734,13 @@
               <a:buAutoNum type="arabicPeriod"/>
             </a:pPr>
             <a:r>
-              <a:rPr lang="en-US" sz="2000" dirty="0" smtClean="0"/>
+              <a:rPr lang="en-US" sz="2000" dirty="0"/>
               <a:t>Press Apply.</a:t>
             </a:r>
           </a:p>
+          <a:p>
+            <a:endParaRPr lang="en-US" sz="2000" dirty="0"/>
+          </a:p>
         </p:txBody>
       </p:sp>
       <p:sp>
@@ -7843,7 +7760,7 @@
           <a:p>
             <a:r>
               <a:rPr lang="en-US" dirty="0" smtClean="0"/>
-              <a:t>FILTER I: Test Results</a:t>
+              <a:t>FILTER II: TRs</a:t>
             </a:r>
             <a:endParaRPr lang="en-US" dirty="0"/>
           </a:p>
@@ -7852,7 +7769,7 @@
     </p:spTree>
     <p:extLst>
       <p:ext uri="{BB962C8B-B14F-4D97-AF65-F5344CB8AC3E}">
-        <p14:creationId xmlns:p14="http://schemas.microsoft.com/office/powerpoint/2010/main" val="3445159542"/>
+        <p14:creationId xmlns:p14="http://schemas.microsoft.com/office/powerpoint/2010/main" val="2122975754"/>
       </p:ext>
     </p:extLst>
   </p:cSld>
